--- a/Presentations/2018-06-11-Reston/70-533-05-ARMTemplates.pptx
+++ b/Presentations/2018-06-11-Reston/70-533-05-ARMTemplates.pptx
@@ -62,33 +62,33 @@
   <p:notesSz cx="6858000" cy="9144000"/>
   <p:embeddedFontLst>
     <p:embeddedFont>
-      <p:font typeface="Segoe UI" panose="020B0502040204020203" pitchFamily="34" charset="0"/>
+      <p:font typeface="Calibri" panose="020F0502020204030204" pitchFamily="34" charset="0"/>
       <p:regular r:id="rId50"/>
       <p:bold r:id="rId51"/>
       <p:italic r:id="rId52"/>
       <p:boldItalic r:id="rId53"/>
     </p:embeddedFont>
     <p:embeddedFont>
-      <p:font typeface="Segoe UI Light" panose="020B0502040204020203" pitchFamily="34" charset="0"/>
+      <p:font typeface="Consolas" panose="020B0609020204030204" pitchFamily="49" charset="0"/>
       <p:regular r:id="rId54"/>
-      <p:italic r:id="rId55"/>
+      <p:bold r:id="rId55"/>
+      <p:italic r:id="rId56"/>
+      <p:boldItalic r:id="rId57"/>
     </p:embeddedFont>
     <p:embeddedFont>
-      <p:font typeface="Calibri" panose="020F0502020204030204" pitchFamily="34" charset="0"/>
-      <p:regular r:id="rId56"/>
-      <p:bold r:id="rId57"/>
-      <p:italic r:id="rId58"/>
-      <p:boldItalic r:id="rId59"/>
+      <p:font typeface="Segoe UI" panose="020B0502040204020203" pitchFamily="34" charset="0"/>
+      <p:regular r:id="rId58"/>
+      <p:bold r:id="rId59"/>
+      <p:italic r:id="rId60"/>
+      <p:boldItalic r:id="rId61"/>
+    </p:embeddedFont>
+    <p:embeddedFont>
+      <p:font typeface="Segoe UI Light" panose="020B0502040204020203" pitchFamily="34" charset="0"/>
+      <p:regular r:id="rId62"/>
+      <p:italic r:id="rId63"/>
     </p:embeddedFont>
     <p:embeddedFont>
       <p:font typeface="Verdana" panose="020B0604030504040204" pitchFamily="34" charset="0"/>
-      <p:regular r:id="rId60"/>
-      <p:bold r:id="rId61"/>
-      <p:italic r:id="rId62"/>
-      <p:boldItalic r:id="rId63"/>
-    </p:embeddedFont>
-    <p:embeddedFont>
-      <p:font typeface="Consolas" panose="020B0609020204030204" pitchFamily="49" charset="0"/>
       <p:regular r:id="rId64"/>
       <p:bold r:id="rId65"/>
       <p:italic r:id="rId66"/>
@@ -6638,7 +6638,7 @@
           <a:p>
             <a:fld id="{7D784404-57E5-4341-9230-5EC072B8C3C5}" type="datetimeFigureOut">
               <a:rPr lang="en-US" smtClean="0"/>
-              <a:t>2/28/2018</a:t>
+              <a:t>6/12/2018</a:t>
             </a:fld>
             <a:endParaRPr lang="en-US"/>
           </a:p>
@@ -6815,7 +6815,7 @@
           <a:p>
             <a:fld id="{9933EFA3-31EF-403B-8080-9776000D59FF}" type="datetimeFigureOut">
               <a:rPr lang="en-US" smtClean="0"/>
-              <a:t>2/28/2018</a:t>
+              <a:t>6/12/2018</a:t>
             </a:fld>
             <a:endParaRPr lang="en-US" dirty="0"/>
           </a:p>
@@ -22145,7 +22145,11 @@
               <a:buNone/>
             </a:pPr>
             <a:r>
-              <a:rPr lang="en-US" sz="1100" dirty="0"/>
+              <a:rPr lang="en-US" sz="1100" dirty="0">
+                <a:highlight>
+                  <a:srgbClr val="FFFF00"/>
+                </a:highlight>
+              </a:rPr>
               <a:t>            "copy": {</a:t>
             </a:r>
           </a:p>
@@ -22154,15 +22158,27 @@
               <a:buNone/>
             </a:pPr>
             <a:r>
-              <a:rPr lang="en-US" sz="1100" dirty="0"/>
+              <a:rPr lang="en-US" sz="1100" dirty="0">
+                <a:highlight>
+                  <a:srgbClr val="FFFF00"/>
+                </a:highlight>
+              </a:rPr>
               <a:t>                "name": "</a:t>
             </a:r>
             <a:r>
-              <a:rPr lang="en-US" sz="1100" dirty="0" err="1"/>
+              <a:rPr lang="en-US" sz="1100" dirty="0" err="1">
+                <a:highlight>
+                  <a:srgbClr val="FFFF00"/>
+                </a:highlight>
+              </a:rPr>
               <a:t>storagecopy</a:t>
             </a:r>
             <a:r>
-              <a:rPr lang="en-US" sz="1100" dirty="0"/>
+              <a:rPr lang="en-US" sz="1100" dirty="0">
+                <a:highlight>
+                  <a:srgbClr val="FFFF00"/>
+                </a:highlight>
+              </a:rPr>
               <a:t>",</a:t>
             </a:r>
           </a:p>
@@ -22171,7 +22187,11 @@
               <a:buNone/>
             </a:pPr>
             <a:r>
-              <a:rPr lang="en-US" sz="1100" dirty="0"/>
+              <a:rPr lang="en-US" sz="1100" dirty="0">
+                <a:highlight>
+                  <a:srgbClr val="FFFF00"/>
+                </a:highlight>
+              </a:rPr>
               <a:t>                "count": 3</a:t>
             </a:r>
           </a:p>
@@ -31740,7 +31760,15 @@
             </a:r>
             <a:r>
               <a:rPr lang="en-US" sz="1600" dirty="0"/>
-              <a:t> –location </a:t>
+              <a:t> –</a:t>
+            </a:r>
+            <a:r>
+              <a:rPr lang="en-US" sz="1600" dirty="0" err="1"/>
+              <a:t>ResourceGroupName</a:t>
+            </a:r>
+            <a:r>
+              <a:rPr lang="en-US" sz="1600" dirty="0"/>
+              <a:t> </a:t>
             </a:r>
             <a:r>
               <a:rPr lang="en-US" sz="1600" dirty="0" err="1"/>

--- a/Presentations/2018-06-11-Reston/70-533-05-ARMTemplates.pptx
+++ b/Presentations/2018-06-11-Reston/70-533-05-ARMTemplates.pptx
@@ -19107,6 +19107,42 @@
               </a:buClr>
               <a:buNone/>
             </a:pPr>
+            <a:r>
+              <a:rPr lang="en-US" sz="1600" dirty="0"/>
+              <a:t>Dan Stolts</a:t>
+            </a:r>
+          </a:p>
+          <a:p>
+            <a:pPr marL="0" indent="0">
+              <a:buClr>
+                <a:schemeClr val="bg1"/>
+              </a:buClr>
+              <a:buNone/>
+            </a:pPr>
+            <a:r>
+              <a:rPr lang="en-US" sz="1600" dirty="0"/>
+              <a:t>Chief Technology Strategist</a:t>
+            </a:r>
+          </a:p>
+          <a:p>
+            <a:pPr marL="0" indent="0">
+              <a:buClr>
+                <a:schemeClr val="bg1"/>
+              </a:buClr>
+              <a:buNone/>
+            </a:pPr>
+            <a:r>
+              <a:rPr lang="en-US" sz="1600" dirty="0"/>
+              <a:t>http://ITProGuru.com</a:t>
+            </a:r>
+          </a:p>
+          <a:p>
+            <a:pPr marL="0" indent="0">
+              <a:buClr>
+                <a:schemeClr val="bg1"/>
+              </a:buClr>
+              <a:buNone/>
+            </a:pPr>
             <a:endParaRPr lang="en-US" sz="1600" dirty="0"/>
           </a:p>
         </p:txBody>
